--- a/Unit 09/LiveClassWork.pptx
+++ b/Unit 09/LiveClassWork.pptx
@@ -327,7 +327,7 @@
             <a:fld id="{B61BEF0D-F0BB-DE4B-95CE-6DB70DBA9567}" type="datetimeFigureOut">
               <a:rPr lang="en-US" dirty="0"/>
               <a:pPr/>
-              <a:t>10/25/2018</a:t>
+              <a:t>11/19/2018</a:t>
             </a:fld>
             <a:endParaRPr lang="en-US" dirty="0"/>
           </a:p>
@@ -615,7 +615,7 @@
             <a:fld id="{B61BEF0D-F0BB-DE4B-95CE-6DB70DBA9567}" type="datetimeFigureOut">
               <a:rPr lang="en-US" dirty="0"/>
               <a:pPr/>
-              <a:t>10/25/2018</a:t>
+              <a:t>11/19/2018</a:t>
             </a:fld>
             <a:endParaRPr lang="en-US" dirty="0"/>
           </a:p>
@@ -871,7 +871,7 @@
             <a:fld id="{B61BEF0D-F0BB-DE4B-95CE-6DB70DBA9567}" type="datetimeFigureOut">
               <a:rPr lang="en-US" dirty="0"/>
               <a:pPr/>
-              <a:t>10/25/2018</a:t>
+              <a:t>11/19/2018</a:t>
             </a:fld>
             <a:endParaRPr lang="en-US" dirty="0"/>
           </a:p>
@@ -1337,7 +1337,7 @@
             <a:fld id="{B61BEF0D-F0BB-DE4B-95CE-6DB70DBA9567}" type="datetimeFigureOut">
               <a:rPr lang="en-US" dirty="0"/>
               <a:pPr/>
-              <a:t>10/25/2018</a:t>
+              <a:t>11/19/2018</a:t>
             </a:fld>
             <a:endParaRPr lang="en-US" dirty="0"/>
           </a:p>
@@ -1514,7 +1514,7 @@
             <a:fld id="{B61BEF0D-F0BB-DE4B-95CE-6DB70DBA9567}" type="datetimeFigureOut">
               <a:rPr lang="en-US" dirty="0"/>
               <a:pPr/>
-              <a:t>10/25/2018</a:t>
+              <a:t>11/19/2018</a:t>
             </a:fld>
             <a:endParaRPr lang="en-US" dirty="0"/>
           </a:p>
@@ -2087,7 +2087,7 @@
             <a:fld id="{B61BEF0D-F0BB-DE4B-95CE-6DB70DBA9567}" type="datetimeFigureOut">
               <a:rPr lang="en-US" dirty="0"/>
               <a:pPr/>
-              <a:t>10/25/2018</a:t>
+              <a:t>11/19/2018</a:t>
             </a:fld>
             <a:endParaRPr lang="en-US" dirty="0"/>
           </a:p>
@@ -2416,7 +2416,7 @@
             <a:fld id="{B61BEF0D-F0BB-DE4B-95CE-6DB70DBA9567}" type="datetimeFigureOut">
               <a:rPr lang="en-US" dirty="0"/>
               <a:pPr/>
-              <a:t>10/25/2018</a:t>
+              <a:t>11/19/2018</a:t>
             </a:fld>
             <a:endParaRPr lang="en-US" dirty="0"/>
           </a:p>
@@ -2588,7 +2588,7 @@
             <a:fld id="{B61BEF0D-F0BB-DE4B-95CE-6DB70DBA9567}" type="datetimeFigureOut">
               <a:rPr lang="en-US" dirty="0"/>
               <a:pPr/>
-              <a:t>10/25/2018</a:t>
+              <a:t>11/19/2018</a:t>
             </a:fld>
             <a:endParaRPr lang="en-US" dirty="0"/>
           </a:p>
@@ -2765,7 +2765,7 @@
             <a:fld id="{B61BEF0D-F0BB-DE4B-95CE-6DB70DBA9567}" type="datetimeFigureOut">
               <a:rPr lang="en-US" dirty="0"/>
               <a:pPr/>
-              <a:t>10/25/2018</a:t>
+              <a:t>11/19/2018</a:t>
             </a:fld>
             <a:endParaRPr lang="en-US" dirty="0"/>
           </a:p>
@@ -2932,7 +2932,7 @@
             <a:fld id="{B61BEF0D-F0BB-DE4B-95CE-6DB70DBA9567}" type="datetimeFigureOut">
               <a:rPr lang="en-US" dirty="0"/>
               <a:pPr/>
-              <a:t>10/25/2018</a:t>
+              <a:t>11/19/2018</a:t>
             </a:fld>
             <a:endParaRPr lang="en-US" dirty="0"/>
           </a:p>
@@ -3186,7 +3186,7 @@
             <a:fld id="{B61BEF0D-F0BB-DE4B-95CE-6DB70DBA9567}" type="datetimeFigureOut">
               <a:rPr lang="en-US" dirty="0"/>
               <a:pPr/>
-              <a:t>10/25/2018</a:t>
+              <a:t>11/19/2018</a:t>
             </a:fld>
             <a:endParaRPr lang="en-US" dirty="0"/>
           </a:p>
@@ -3475,7 +3475,7 @@
             <a:fld id="{B61BEF0D-F0BB-DE4B-95CE-6DB70DBA9567}" type="datetimeFigureOut">
               <a:rPr lang="en-US" dirty="0"/>
               <a:pPr/>
-              <a:t>10/25/2018</a:t>
+              <a:t>11/19/2018</a:t>
             </a:fld>
             <a:endParaRPr lang="en-US" dirty="0"/>
           </a:p>
@@ -3902,7 +3902,7 @@
             <a:fld id="{B61BEF0D-F0BB-DE4B-95CE-6DB70DBA9567}" type="datetimeFigureOut">
               <a:rPr lang="en-US" dirty="0"/>
               <a:pPr/>
-              <a:t>10/25/2018</a:t>
+              <a:t>11/19/2018</a:t>
             </a:fld>
             <a:endParaRPr lang="en-US" dirty="0"/>
           </a:p>
@@ -4017,7 +4017,7 @@
             <a:fld id="{B61BEF0D-F0BB-DE4B-95CE-6DB70DBA9567}" type="datetimeFigureOut">
               <a:rPr lang="en-US" dirty="0"/>
               <a:pPr/>
-              <a:t>10/25/2018</a:t>
+              <a:t>11/19/2018</a:t>
             </a:fld>
             <a:endParaRPr lang="en-US" dirty="0"/>
           </a:p>
@@ -4109,7 +4109,7 @@
             <a:fld id="{B61BEF0D-F0BB-DE4B-95CE-6DB70DBA9567}" type="datetimeFigureOut">
               <a:rPr lang="en-US" dirty="0"/>
               <a:pPr/>
-              <a:t>10/25/2018</a:t>
+              <a:t>11/19/2018</a:t>
             </a:fld>
             <a:endParaRPr lang="en-US" dirty="0"/>
           </a:p>
@@ -4389,7 +4389,7 @@
             <a:fld id="{B61BEF0D-F0BB-DE4B-95CE-6DB70DBA9567}" type="datetimeFigureOut">
               <a:rPr lang="en-US" dirty="0"/>
               <a:pPr/>
-              <a:t>10/25/2018</a:t>
+              <a:t>11/19/2018</a:t>
             </a:fld>
             <a:endParaRPr lang="en-US" dirty="0"/>
           </a:p>
@@ -4677,7 +4677,7 @@
             <a:fld id="{B61BEF0D-F0BB-DE4B-95CE-6DB70DBA9567}" type="datetimeFigureOut">
               <a:rPr lang="en-US" dirty="0"/>
               <a:pPr/>
-              <a:t>10/25/2018</a:t>
+              <a:t>11/19/2018</a:t>
             </a:fld>
             <a:endParaRPr lang="en-US" dirty="0"/>
           </a:p>
@@ -4905,7 +4905,7 @@
             <a:fld id="{B61BEF0D-F0BB-DE4B-95CE-6DB70DBA9567}" type="datetimeFigureOut">
               <a:rPr lang="en-US" dirty="0"/>
               <a:pPr/>
-              <a:t>10/25/2018</a:t>
+              <a:t>11/19/2018</a:t>
             </a:fld>
             <a:endParaRPr lang="en-US" dirty="0"/>
           </a:p>
@@ -6363,8 +6363,8 @@
               <a:t>#Simulate gamma </a:t>
             </a:r>
             <a:r>
-              <a:rPr lang="en-US" sz="1200" dirty="0" err="1"/>
-              <a:t>distrubation</a:t>
+              <a:rPr lang="en-US" sz="1200" dirty="0" smtClean="0"/>
+              <a:t>distribution</a:t>
             </a:r>
             <a:endParaRPr lang="en-US" sz="1200" dirty="0"/>
           </a:p>
@@ -6518,8 +6518,8 @@
               <a:t>#using gamma </a:t>
             </a:r>
             <a:r>
-              <a:rPr lang="en-US" sz="1200" dirty="0" err="1"/>
-              <a:t>distrubation</a:t>
+              <a:rPr lang="en-US" sz="1200" dirty="0" smtClean="0"/>
+              <a:t>distribution</a:t>
             </a:r>
             <a:endParaRPr lang="en-US" sz="1200" dirty="0"/>
           </a:p>
